--- a/06-Arrays.pptx
+++ b/06-Arrays.pptx
@@ -224,7 +224,7 @@
           <a:p>
             <a:fld id="{1A052DDE-B79B-4585-97B6-DCDE6083B029}" type="datetimeFigureOut">
               <a:rPr lang="bg-BG" smtClean="0"/>
-              <a:t>27.6.2015 г.</a:t>
+              <a:t>13.10.2016 г.</a:t>
             </a:fld>
             <a:endParaRPr lang="bg-BG"/>
           </a:p>
@@ -1009,7 +1009,7 @@
           <a:p>
             <a:fld id="{3EA744D9-3FBE-48D8-BF2A-85DF203E4D20}" type="datetimeFigureOut">
               <a:rPr lang="bg-BG" smtClean="0"/>
-              <a:t>27.6.2015 г.</a:t>
+              <a:t>13.10.2016 г.</a:t>
             </a:fld>
             <a:endParaRPr lang="bg-BG"/>
           </a:p>
@@ -1179,7 +1179,7 @@
           <a:p>
             <a:fld id="{3EA744D9-3FBE-48D8-BF2A-85DF203E4D20}" type="datetimeFigureOut">
               <a:rPr lang="bg-BG" smtClean="0"/>
-              <a:t>27.6.2015 г.</a:t>
+              <a:t>13.10.2016 г.</a:t>
             </a:fld>
             <a:endParaRPr lang="bg-BG"/>
           </a:p>
@@ -1359,7 +1359,7 @@
           <a:p>
             <a:fld id="{3EA744D9-3FBE-48D8-BF2A-85DF203E4D20}" type="datetimeFigureOut">
               <a:rPr lang="bg-BG" smtClean="0"/>
-              <a:t>27.6.2015 г.</a:t>
+              <a:t>13.10.2016 г.</a:t>
             </a:fld>
             <a:endParaRPr lang="bg-BG"/>
           </a:p>
@@ -1529,7 +1529,7 @@
           <a:p>
             <a:fld id="{3EA744D9-3FBE-48D8-BF2A-85DF203E4D20}" type="datetimeFigureOut">
               <a:rPr lang="bg-BG" smtClean="0"/>
-              <a:t>27.6.2015 г.</a:t>
+              <a:t>13.10.2016 г.</a:t>
             </a:fld>
             <a:endParaRPr lang="bg-BG"/>
           </a:p>
@@ -1775,7 +1775,7 @@
           <a:p>
             <a:fld id="{3EA744D9-3FBE-48D8-BF2A-85DF203E4D20}" type="datetimeFigureOut">
               <a:rPr lang="bg-BG" smtClean="0"/>
-              <a:t>27.6.2015 г.</a:t>
+              <a:t>13.10.2016 г.</a:t>
             </a:fld>
             <a:endParaRPr lang="bg-BG"/>
           </a:p>
@@ -2063,7 +2063,7 @@
           <a:p>
             <a:fld id="{3EA744D9-3FBE-48D8-BF2A-85DF203E4D20}" type="datetimeFigureOut">
               <a:rPr lang="bg-BG" smtClean="0"/>
-              <a:t>27.6.2015 г.</a:t>
+              <a:t>13.10.2016 г.</a:t>
             </a:fld>
             <a:endParaRPr lang="bg-BG"/>
           </a:p>
@@ -2485,7 +2485,7 @@
           <a:p>
             <a:fld id="{3EA744D9-3FBE-48D8-BF2A-85DF203E4D20}" type="datetimeFigureOut">
               <a:rPr lang="bg-BG" smtClean="0"/>
-              <a:t>27.6.2015 г.</a:t>
+              <a:t>13.10.2016 г.</a:t>
             </a:fld>
             <a:endParaRPr lang="bg-BG"/>
           </a:p>
@@ -2603,7 +2603,7 @@
           <a:p>
             <a:fld id="{3EA744D9-3FBE-48D8-BF2A-85DF203E4D20}" type="datetimeFigureOut">
               <a:rPr lang="bg-BG" smtClean="0"/>
-              <a:t>27.6.2015 г.</a:t>
+              <a:t>13.10.2016 г.</a:t>
             </a:fld>
             <a:endParaRPr lang="bg-BG"/>
           </a:p>
@@ -2698,7 +2698,7 @@
           <a:p>
             <a:fld id="{3EA744D9-3FBE-48D8-BF2A-85DF203E4D20}" type="datetimeFigureOut">
               <a:rPr lang="bg-BG" smtClean="0"/>
-              <a:t>27.6.2015 г.</a:t>
+              <a:t>13.10.2016 г.</a:t>
             </a:fld>
             <a:endParaRPr lang="bg-BG"/>
           </a:p>
@@ -2975,7 +2975,7 @@
           <a:p>
             <a:fld id="{3EA744D9-3FBE-48D8-BF2A-85DF203E4D20}" type="datetimeFigureOut">
               <a:rPr lang="bg-BG" smtClean="0"/>
-              <a:t>27.6.2015 г.</a:t>
+              <a:t>13.10.2016 г.</a:t>
             </a:fld>
             <a:endParaRPr lang="bg-BG"/>
           </a:p>
@@ -3228,7 +3228,7 @@
           <a:p>
             <a:fld id="{3EA744D9-3FBE-48D8-BF2A-85DF203E4D20}" type="datetimeFigureOut">
               <a:rPr lang="bg-BG" smtClean="0"/>
-              <a:t>27.6.2015 г.</a:t>
+              <a:t>13.10.2016 г.</a:t>
             </a:fld>
             <a:endParaRPr lang="bg-BG"/>
           </a:p>
@@ -3450,7 +3450,7 @@
           <a:p>
             <a:fld id="{3EA744D9-3FBE-48D8-BF2A-85DF203E4D20}" type="datetimeFigureOut">
               <a:rPr lang="bg-BG" smtClean="0"/>
-              <a:t>27.6.2015 г.</a:t>
+              <a:t>13.10.2016 г.</a:t>
             </a:fld>
             <a:endParaRPr lang="bg-BG"/>
           </a:p>
@@ -5309,7 +5309,7 @@
               <a:t>Напишете </a:t>
             </a:r>
             <a:r>
-              <a:rPr lang="ru-RU" sz="2800" dirty="0" err="1" smtClean="0">
+              <a:rPr lang="ru-RU" sz="2800" dirty="0" smtClean="0">
                 <a:solidFill>
                   <a:schemeClr val="bg1">
                     <a:lumMod val="95000"/>
@@ -5326,17 +5326,17 @@
                   </a:schemeClr>
                 </a:solidFill>
               </a:rPr>
-              <a:t>, </a:t>
-            </a:r>
-            <a:r>
-              <a:rPr lang="ru-RU" sz="2800" dirty="0" err="1">
-                <a:solidFill>
-                  <a:schemeClr val="bg1">
-                    <a:lumMod val="95000"/>
-                  </a:schemeClr>
-                </a:solidFill>
-              </a:rPr>
-              <a:t>която</a:t>
+              <a:t>, която принтира на екрана числата от 30 до 1 в обратен </a:t>
+            </a:r>
+            <a:r>
+              <a:rPr lang="ru-RU" sz="2800" dirty="0" smtClean="0">
+                <a:solidFill>
+                  <a:schemeClr val="bg1">
+                    <a:lumMod val="95000"/>
+                  </a:schemeClr>
+                </a:solidFill>
+              </a:rPr>
+              <a:t>ред, </a:t>
             </a:r>
             <a:r>
               <a:rPr lang="ru-RU" sz="2800" dirty="0">
@@ -5346,77 +5346,7 @@
                   </a:schemeClr>
                 </a:solidFill>
               </a:rPr>
-              <a:t> </a:t>
-            </a:r>
-            <a:r>
-              <a:rPr lang="ru-RU" sz="2800" dirty="0" err="1">
-                <a:solidFill>
-                  <a:schemeClr val="bg1">
-                    <a:lumMod val="95000"/>
-                  </a:schemeClr>
-                </a:solidFill>
-              </a:rPr>
-              <a:t>принтира</a:t>
-            </a:r>
-            <a:r>
-              <a:rPr lang="ru-RU" sz="2800" dirty="0">
-                <a:solidFill>
-                  <a:schemeClr val="bg1">
-                    <a:lumMod val="95000"/>
-                  </a:schemeClr>
-                </a:solidFill>
-              </a:rPr>
-              <a:t> на </a:t>
-            </a:r>
-            <a:r>
-              <a:rPr lang="ru-RU" sz="2800" dirty="0" err="1">
-                <a:solidFill>
-                  <a:schemeClr val="bg1">
-                    <a:lumMod val="95000"/>
-                  </a:schemeClr>
-                </a:solidFill>
-              </a:rPr>
-              <a:t>екрана</a:t>
-            </a:r>
-            <a:r>
-              <a:rPr lang="ru-RU" sz="2800" dirty="0">
-                <a:solidFill>
-                  <a:schemeClr val="bg1">
-                    <a:lumMod val="95000"/>
-                  </a:schemeClr>
-                </a:solidFill>
-              </a:rPr>
-              <a:t> </a:t>
-            </a:r>
-            <a:r>
-              <a:rPr lang="ru-RU" sz="2800" dirty="0" err="1">
-                <a:solidFill>
-                  <a:schemeClr val="bg1">
-                    <a:lumMod val="95000"/>
-                  </a:schemeClr>
-                </a:solidFill>
-              </a:rPr>
-              <a:t>числата</a:t>
-            </a:r>
-            <a:r>
-              <a:rPr lang="ru-RU" sz="2800" dirty="0">
-                <a:solidFill>
-                  <a:schemeClr val="bg1">
-                    <a:lumMod val="95000"/>
-                  </a:schemeClr>
-                </a:solidFill>
-              </a:rPr>
-              <a:t> от 30 до 1 в обратен </a:t>
-            </a:r>
-            <a:r>
-              <a:rPr lang="ru-RU" sz="2800" dirty="0" err="1" smtClean="0">
-                <a:solidFill>
-                  <a:schemeClr val="bg1">
-                    <a:lumMod val="95000"/>
-                  </a:schemeClr>
-                </a:solidFill>
-              </a:rPr>
-              <a:t>ред</a:t>
+              <a:t>подредени в 5 реда и 6 </a:t>
             </a:r>
             <a:r>
               <a:rPr lang="ru-RU" sz="2800" dirty="0" smtClean="0">
@@ -5426,48 +5356,35 @@
                   </a:schemeClr>
                 </a:solidFill>
               </a:rPr>
-              <a:t>, </a:t>
-            </a:r>
-            <a:r>
-              <a:rPr lang="ru-RU" sz="2800" dirty="0" err="1">
-                <a:solidFill>
-                  <a:schemeClr val="bg1">
-                    <a:lumMod val="95000"/>
-                  </a:schemeClr>
-                </a:solidFill>
-              </a:rPr>
-              <a:t>подредени</a:t>
-            </a:r>
-            <a:r>
-              <a:rPr lang="ru-RU" sz="2800" dirty="0">
-                <a:solidFill>
-                  <a:schemeClr val="bg1">
-                    <a:lumMod val="95000"/>
-                  </a:schemeClr>
-                </a:solidFill>
-              </a:rPr>
-              <a:t> в 5 </a:t>
-            </a:r>
-            <a:r>
-              <a:rPr lang="ru-RU" sz="2800" dirty="0" err="1">
-                <a:solidFill>
-                  <a:schemeClr val="bg1">
-                    <a:lumMod val="95000"/>
-                  </a:schemeClr>
-                </a:solidFill>
-              </a:rPr>
-              <a:t>реда</a:t>
-            </a:r>
-            <a:r>
-              <a:rPr lang="ru-RU" sz="2800" dirty="0">
-                <a:solidFill>
-                  <a:schemeClr val="bg1">
-                    <a:lumMod val="95000"/>
-                  </a:schemeClr>
-                </a:solidFill>
-              </a:rPr>
-              <a:t> и 6 колони</a:t>
-            </a:r>
+              <a:t>колони</a:t>
+            </a:r>
+            <a:r>
+              <a:rPr lang="en-US" sz="2800" dirty="0" smtClean="0">
+                <a:solidFill>
+                  <a:schemeClr val="bg1">
+                    <a:lumMod val="95000"/>
+                  </a:schemeClr>
+                </a:solidFill>
+              </a:rPr>
+              <a:t>. </a:t>
+            </a:r>
+            <a:r>
+              <a:rPr lang="bg-BG" sz="2800" smtClean="0">
+                <a:solidFill>
+                  <a:schemeClr val="bg1">
+                    <a:lumMod val="95000"/>
+                  </a:schemeClr>
+                </a:solidFill>
+              </a:rPr>
+              <a:t>Да се реши с двумерен масив.</a:t>
+            </a:r>
+            <a:endParaRPr lang="ru-RU" sz="2800" dirty="0">
+              <a:solidFill>
+                <a:schemeClr val="bg1">
+                  <a:lumMod val="95000"/>
+                </a:schemeClr>
+              </a:solidFill>
+            </a:endParaRPr>
           </a:p>
           <a:p>
             <a:pPr marL="0" indent="0">
@@ -5599,27 +5516,7 @@
                   </a:schemeClr>
                 </a:solidFill>
               </a:rPr>
-              <a:t>Напишете програма, която попълва квадратна матрица: първо вертикално, след това хоризонтално. </a:t>
-            </a:r>
-            <a:r>
-              <a:rPr lang="bg-BG" sz="2000" dirty="0" smtClean="0">
-                <a:solidFill>
-                  <a:schemeClr val="bg1">
-                    <a:lumMod val="95000"/>
-                  </a:schemeClr>
-                </a:solidFill>
-              </a:rPr>
-              <a:t>Потребителят </a:t>
-            </a:r>
-            <a:r>
-              <a:rPr lang="bg-BG" sz="2000" dirty="0" smtClean="0">
-                <a:solidFill>
-                  <a:schemeClr val="bg1">
-                    <a:lumMod val="95000"/>
-                  </a:schemeClr>
-                </a:solidFill>
-              </a:rPr>
-              <a:t>въвежда размерност на матрицата.</a:t>
+              <a:t>Напишете програма, която попълва квадратна матрица: първо вертикално, след това хоризонтално. Потребителят въвежда размерност на матрицата.</a:t>
             </a:r>
           </a:p>
           <a:p>
